--- a/PowerAutomateLT.pptx
+++ b/PowerAutomateLT.pptx
@@ -160,76 +160,6 @@
 </p:cmAuthorLst>
 </file>
 
-<file path=ppt/comments/comment1.xml><?xml version="1.0" encoding="utf-8"?>
-<p:cmLst xmlns:a="http://schemas.openxmlformats.org/drawingml/2006/main" xmlns:r="http://schemas.openxmlformats.org/officeDocument/2006/relationships" xmlns:p="http://schemas.openxmlformats.org/presentationml/2006/main">
-  <p:cm authorId="1" dt="2020-11-23T23:40:00.842" idx="2">
-    <p:pos x="10" y="10"/>
-    <p:text>Power Automateはデジタルプロセスオートメーションというプロセス自動化サービスとしてもともと生まれたものでした。具体的には、Office 365やクラウド型のSaaSサービスなどをAPIでシームレスに連携して、処理を自動化させる目的で生まれたものがPowerAutomateです。</p:text>
-    <p:extLst>
-      <p:ext uri="{C676402C-5697-4E1C-873F-D02D1690AC5C}">
-        <p15:threadingInfo xmlns:p15="http://schemas.microsoft.com/office/powerpoint/2012/main" timeZoneBias="-540"/>
-      </p:ext>
-    </p:extLst>
-  </p:cm>
-</p:cmLst>
-</file>
-
-<file path=ppt/comments/comment2.xml><?xml version="1.0" encoding="utf-8"?>
-<p:cmLst xmlns:a="http://schemas.openxmlformats.org/drawingml/2006/main" xmlns:r="http://schemas.openxmlformats.org/officeDocument/2006/relationships" xmlns:p="http://schemas.openxmlformats.org/presentationml/2006/main">
-  <p:cm authorId="1" dt="2020-11-23T23:49:03.316" idx="3">
-    <p:pos x="10" y="10"/>
-    <p:text>こちらは私が作った簡単なサンプルですが、PowerAutomateは御覧の通り、ワークフロー形式でビジネスロジックを記述します。画面上に、○○コネクタという吹き出しが3つ登場しているのがわかると思いますが、これが</p:text>
-    <p:extLst>
-      <p:ext uri="{C676402C-5697-4E1C-873F-D02D1690AC5C}">
-        <p15:threadingInfo xmlns:p15="http://schemas.microsoft.com/office/powerpoint/2012/main" timeZoneBias="-540"/>
-      </p:ext>
-    </p:extLst>
-  </p:cm>
-</p:cmLst>
-</file>
-
-<file path=ppt/comments/comment3.xml><?xml version="1.0" encoding="utf-8"?>
-<p:cmLst xmlns:a="http://schemas.openxmlformats.org/drawingml/2006/main" xmlns:r="http://schemas.openxmlformats.org/officeDocument/2006/relationships" xmlns:p="http://schemas.openxmlformats.org/presentationml/2006/main">
-  <p:cm authorId="1" dt="2020-11-23T23:49:03.316" idx="3">
-    <p:pos x="10" y="10"/>
-    <p:text>では具体的に作り方について説明いたしますが、設定自体はとても簡単です。</p:text>
-    <p:extLst>
-      <p:ext uri="{C676402C-5697-4E1C-873F-D02D1690AC5C}">
-        <p15:threadingInfo xmlns:p15="http://schemas.microsoft.com/office/powerpoint/2012/main" timeZoneBias="-540"/>
-      </p:ext>
-    </p:extLst>
-  </p:cm>
-</p:cmLst>
-</file>
-
-<file path=ppt/comments/comment4.xml><?xml version="1.0" encoding="utf-8"?>
-<p:cmLst xmlns:a="http://schemas.openxmlformats.org/drawingml/2006/main" xmlns:r="http://schemas.openxmlformats.org/officeDocument/2006/relationships" xmlns:p="http://schemas.openxmlformats.org/presentationml/2006/main">
-  <p:cm authorId="1" dt="2020-11-24T00:14:38.019" idx="4">
-    <p:pos x="10" y="10"/>
-    <p:text>RPA機能の追加によって、画面操作も自動化できるようになったが、外部連携が可能な場合は、画面操作を経由して連携させるのではなく、コネクタで連携させるのが基本。あくまでもRPAは外部連携機能が備わっていない場合などに、画面操作をするしかない状況で利用する「最後の砦」。（画面操作を経由すると、エラーのリスクも上がるし、画面上のエラー処理を設定する必要があったりと効率も悪い）</p:text>
-    <p:extLst>
-      <p:ext uri="{C676402C-5697-4E1C-873F-D02D1690AC5C}">
-        <p15:threadingInfo xmlns:p15="http://schemas.microsoft.com/office/powerpoint/2012/main" timeZoneBias="-540"/>
-      </p:ext>
-    </p:extLst>
-  </p:cm>
-</p:cmLst>
-</file>
-
-<file path=ppt/comments/comment5.xml><?xml version="1.0" encoding="utf-8"?>
-<p:cmLst xmlns:a="http://schemas.openxmlformats.org/drawingml/2006/main" xmlns:r="http://schemas.openxmlformats.org/officeDocument/2006/relationships" xmlns:p="http://schemas.openxmlformats.org/presentationml/2006/main">
-  <p:cm authorId="1" dt="2020-11-23T23:33:57.113" idx="1">
-    <p:pos x="10" y="10"/>
-    <p:text>結論ですが、PowerAutomateとは容易なシステム連携機能とワークフローによって、ビジネスプロセスを自動化するというのが、メインのサービス内容であり、RPA機能はサービスをより便利にするための1つのオプションでしかない。他ツールと比較するときは、その点を考慮に入れて検討する必要がありそうです。</p:text>
-    <p:extLst>
-      <p:ext uri="{C676402C-5697-4E1C-873F-D02D1690AC5C}">
-        <p15:threadingInfo xmlns:p15="http://schemas.microsoft.com/office/powerpoint/2012/main" timeZoneBias="-540"/>
-      </p:ext>
-    </p:extLst>
-  </p:cm>
-</p:cmLst>
-</file>
-
 <file path=ppt/slideLayouts/slideLayout1.xml><?xml version="1.0" encoding="utf-8"?>
 <p:sldLayout xmlns:a="http://schemas.openxmlformats.org/drawingml/2006/main" xmlns:r="http://schemas.openxmlformats.org/officeDocument/2006/relationships" xmlns:p="http://schemas.openxmlformats.org/presentationml/2006/main" type="title" preserve="1">
   <p:cSld name="タイトル スライド">
@@ -430,7 +360,7 @@
           <a:p>
             <a:fld id="{9AB3A824-1A51-4B26-AD58-A6D8E14F6C04}" type="datetimeFigureOut">
               <a:rPr lang="en-US" smtClean="0"/>
-              <a:t>11/23/2020</a:t>
+              <a:t>12/12/2020</a:t>
             </a:fld>
             <a:endParaRPr lang="en-US" dirty="0"/>
           </a:p>
@@ -657,7 +587,7 @@
           <a:p>
             <a:fld id="{D857E33E-8B18-4087-B112-809917729534}" type="datetimeFigureOut">
               <a:rPr lang="en-US" smtClean="0"/>
-              <a:t>11/23/2020</a:t>
+              <a:t>12/12/2020</a:t>
             </a:fld>
             <a:endParaRPr lang="en-US" dirty="0"/>
           </a:p>
@@ -874,7 +804,7 @@
           <a:p>
             <a:fld id="{D3FFE419-2371-464F-8239-3959401C3561}" type="datetimeFigureOut">
               <a:rPr lang="en-US" smtClean="0"/>
-              <a:t>11/23/2020</a:t>
+              <a:t>12/12/2020</a:t>
             </a:fld>
             <a:endParaRPr lang="en-US" dirty="0"/>
           </a:p>
@@ -1081,7 +1011,7 @@
           <a:p>
             <a:fld id="{97D162C4-EDD9-4389-A98B-B87ECEA2A816}" type="datetimeFigureOut">
               <a:rPr lang="en-US" smtClean="0"/>
-              <a:t>11/23/2020</a:t>
+              <a:t>12/12/2020</a:t>
             </a:fld>
             <a:endParaRPr lang="en-US" dirty="0"/>
           </a:p>
@@ -1342,7 +1272,7 @@
           <a:p>
             <a:fld id="{3E5059C3-6A89-4494-99FF-5A4D6FFD50EB}" type="datetimeFigureOut">
               <a:rPr lang="en-US" smtClean="0"/>
-              <a:t>11/23/2020</a:t>
+              <a:t>12/12/2020</a:t>
             </a:fld>
             <a:endParaRPr lang="en-US" dirty="0"/>
           </a:p>
@@ -1699,7 +1629,7 @@
           <a:p>
             <a:fld id="{CA954B2F-12DE-47F5-8894-472B206D2E1E}" type="datetimeFigureOut">
               <a:rPr lang="en-US" smtClean="0"/>
-              <a:t>11/23/2020</a:t>
+              <a:t>12/12/2020</a:t>
             </a:fld>
             <a:endParaRPr lang="en-US" dirty="0"/>
           </a:p>
@@ -2206,7 +2136,7 @@
           <a:p>
             <a:fld id="{3F30E46F-7819-4ACF-B48B-48222C2ACC88}" type="datetimeFigureOut">
               <a:rPr lang="en-US" smtClean="0"/>
-              <a:t>11/23/2020</a:t>
+              <a:t>12/12/2020</a:t>
             </a:fld>
             <a:endParaRPr lang="en-US" dirty="0"/>
           </a:p>
@@ -2329,7 +2259,7 @@
           <a:p>
             <a:fld id="{1FAF3416-4057-4DAA-829D-4CA07428D088}" type="datetimeFigureOut">
               <a:rPr lang="en-US" smtClean="0"/>
-              <a:t>11/23/2020</a:t>
+              <a:t>12/12/2020</a:t>
             </a:fld>
             <a:endParaRPr lang="en-US" dirty="0"/>
           </a:p>
@@ -2429,7 +2359,7 @@
           <a:p>
             <a:fld id="{921D9284-D300-4297-87F7-E791DCC15DB1}" type="datetimeFigureOut">
               <a:rPr lang="en-US" smtClean="0"/>
-              <a:t>11/23/2020</a:t>
+              <a:t>12/12/2020</a:t>
             </a:fld>
             <a:endParaRPr lang="en-US" dirty="0"/>
           </a:p>
@@ -2822,7 +2752,7 @@
           <a:p>
             <a:fld id="{37D525BB-DA17-4BA0-B3C8-3AC3ABC827E6}" type="datetimeFigureOut">
               <a:rPr lang="en-US" smtClean="0"/>
-              <a:t>11/23/2020</a:t>
+              <a:t>12/12/2020</a:t>
             </a:fld>
             <a:endParaRPr lang="en-US" dirty="0"/>
           </a:p>
@@ -3143,7 +3073,7 @@
           <a:p>
             <a:fld id="{B16C4C9A-3960-41CF-A4E9-2A8FB932454B}" type="datetimeFigureOut">
               <a:rPr lang="en-US" smtClean="0"/>
-              <a:t>11/23/2020</a:t>
+              <a:t>12/12/2020</a:t>
             </a:fld>
             <a:endParaRPr lang="en-US" dirty="0"/>
           </a:p>
@@ -3413,7 +3343,7 @@
           <a:p>
             <a:fld id="{3CBC1C18-307B-4F68-A007-B5B542270E8D}" type="datetimeFigureOut">
               <a:rPr lang="en-US" smtClean="0"/>
-              <a:t>11/23/2020</a:t>
+              <a:t>12/12/2020</a:t>
             </a:fld>
             <a:endParaRPr lang="en-US" dirty="0"/>
           </a:p>
@@ -4858,7 +4788,7 @@
                   <a:srgbClr val="FFC000"/>
                 </a:solidFill>
               </a:rPr>
-              <a:t>UI Frows</a:t>
+              <a:t>UI Flows</a:t>
             </a:r>
             <a:r>
               <a:rPr lang="en-US" altLang="ja-JP" sz="4800" dirty="0">
@@ -6187,7 +6117,7 @@
         </p:spPr>
         <p:txBody>
           <a:bodyPr>
-            <a:normAutofit/>
+            <a:normAutofit lnSpcReduction="10000"/>
           </a:bodyPr>
           <a:lstStyle/>
           <a:p>
@@ -6219,6 +6149,24 @@
                 </a:solidFill>
               </a:rPr>
               <a:t>作成</a:t>
+            </a:r>
+            <a:endParaRPr kumimoji="1" lang="en-US" altLang="ja-JP" sz="1700" dirty="0">
+              <a:solidFill>
+                <a:srgbClr val="0070C0"/>
+              </a:solidFill>
+            </a:endParaRPr>
+          </a:p>
+          <a:p>
+            <a:pPr marL="0" indent="0">
+              <a:buNone/>
+            </a:pPr>
+            <a:r>
+              <a:rPr kumimoji="1" lang="ja-JP" altLang="en-US" sz="1700" dirty="0">
+                <a:solidFill>
+                  <a:srgbClr val="0070C0"/>
+                </a:solidFill>
+              </a:rPr>
+              <a:t>・自動化</a:t>
             </a:r>
             <a:r>
               <a:rPr kumimoji="1" lang="ja-JP" altLang="en-US" sz="1700" dirty="0"/>
@@ -7354,7 +7302,7 @@
         </p:spPr>
         <p:txBody>
           <a:bodyPr>
-            <a:normAutofit/>
+            <a:normAutofit lnSpcReduction="10000"/>
           </a:bodyPr>
           <a:lstStyle/>
           <a:p>
@@ -7387,9 +7335,27 @@
               </a:rPr>
               <a:t>作成</a:t>
             </a:r>
+            <a:endParaRPr kumimoji="1" lang="en-US" altLang="ja-JP" sz="1700" dirty="0">
+              <a:solidFill>
+                <a:srgbClr val="0070C0"/>
+              </a:solidFill>
+            </a:endParaRPr>
+          </a:p>
+          <a:p>
+            <a:pPr marL="0" indent="0">
+              <a:buNone/>
+            </a:pPr>
+            <a:r>
+              <a:rPr kumimoji="1" lang="ja-JP" altLang="en-US" sz="1700" dirty="0">
+                <a:solidFill>
+                  <a:srgbClr val="0070C0"/>
+                </a:solidFill>
+              </a:rPr>
+              <a:t>・自動化　</a:t>
+            </a:r>
             <a:r>
               <a:rPr kumimoji="1" lang="ja-JP" altLang="en-US" sz="1700" dirty="0"/>
-              <a:t>　　</a:t>
+              <a:t>　</a:t>
             </a:r>
             <a:endParaRPr kumimoji="1" lang="ja-JP" altLang="en-US" dirty="0"/>
           </a:p>
